--- a/Hackathon le champ des sirens.pptx
+++ b/Hackathon le champ des sirens.pptx
@@ -109,6 +109,11 @@
       </a:defRPr>
     </a:lvl9pPr>
   </p:defaultTextStyle>
+  <p:extLst>
+    <p:ext uri="{EFAFB233-063F-42B5-8137-9DF3F51BA10A}">
+      <p15:sldGuideLst xmlns:p15="http://schemas.microsoft.com/office/powerpoint/2012/main"/>
+    </p:ext>
+  </p:extLst>
 </p:presentation>
 </file>
 
@@ -3119,7 +3124,7 @@
             </a:r>
             <a:r>
               <a:rPr lang="fr-FR" dirty="0" err="1" smtClean="0"/>
-              <a:t>Webscrapping</a:t>
+              <a:t>Webscraping</a:t>
             </a:r>
             <a:endParaRPr lang="fr-FR" dirty="0" smtClean="0"/>
           </a:p>
@@ -3820,7 +3825,7 @@
                   <a:schemeClr val="tx1"/>
                 </a:solidFill>
               </a:rPr>
-              <a:t>Page Jaune</a:t>
+              <a:t>Pages Jaunes</a:t>
             </a:r>
             <a:endParaRPr lang="fr-FR" sz="2800" b="1" dirty="0">
               <a:solidFill>
@@ -5063,7 +5068,7 @@
             </a:r>
             <a:r>
               <a:rPr lang="fr-FR" sz="4400" b="1" dirty="0" err="1" smtClean="0"/>
-              <a:t>Scorring</a:t>
+              <a:t>Scoring</a:t>
             </a:r>
             <a:endParaRPr lang="fr-FR" sz="4400" b="1" dirty="0"/>
           </a:p>
